--- a/docs/Office_Docs/Sprint_4.pptx
+++ b/docs/Office_Docs/Sprint_4.pptx
@@ -284,7 +284,7 @@
           <a:p>
             <a:fld id="{3E31D308-CABC-4F6E-8D26-4E33C6E638F7}" type="datetimeFigureOut">
               <a:rPr lang="en-NL" smtClean="0"/>
-              <a:t>12/18/2023</a:t>
+              <a:t>12/20/2023</a:t>
             </a:fld>
             <a:endParaRPr lang="en-NL"/>
           </a:p>
@@ -512,7 +512,7 @@
           <a:p>
             <a:fld id="{3E31D308-CABC-4F6E-8D26-4E33C6E638F7}" type="datetimeFigureOut">
               <a:rPr lang="en-NL" smtClean="0"/>
-              <a:t>12/18/2023</a:t>
+              <a:t>12/20/2023</a:t>
             </a:fld>
             <a:endParaRPr lang="en-NL"/>
           </a:p>
@@ -692,7 +692,7 @@
           <a:p>
             <a:fld id="{3E31D308-CABC-4F6E-8D26-4E33C6E638F7}" type="datetimeFigureOut">
               <a:rPr lang="en-NL" smtClean="0"/>
-              <a:t>12/18/2023</a:t>
+              <a:t>12/20/2023</a:t>
             </a:fld>
             <a:endParaRPr lang="en-NL"/>
           </a:p>
@@ -862,7 +862,7 @@
           <a:p>
             <a:fld id="{3E31D308-CABC-4F6E-8D26-4E33C6E638F7}" type="datetimeFigureOut">
               <a:rPr lang="en-NL" smtClean="0"/>
-              <a:t>12/18/2023</a:t>
+              <a:t>12/20/2023</a:t>
             </a:fld>
             <a:endParaRPr lang="en-NL"/>
           </a:p>
@@ -1116,7 +1116,7 @@
           <a:p>
             <a:fld id="{3E31D308-CABC-4F6E-8D26-4E33C6E638F7}" type="datetimeFigureOut">
               <a:rPr lang="en-NL" smtClean="0"/>
-              <a:t>12/18/2023</a:t>
+              <a:t>12/20/2023</a:t>
             </a:fld>
             <a:endParaRPr lang="en-NL"/>
           </a:p>
@@ -1442,7 +1442,7 @@
           <a:p>
             <a:fld id="{3E31D308-CABC-4F6E-8D26-4E33C6E638F7}" type="datetimeFigureOut">
               <a:rPr lang="en-NL" smtClean="0"/>
-              <a:t>12/18/2023</a:t>
+              <a:t>12/20/2023</a:t>
             </a:fld>
             <a:endParaRPr lang="en-NL"/>
           </a:p>
@@ -1893,7 +1893,7 @@
           <a:p>
             <a:fld id="{3E31D308-CABC-4F6E-8D26-4E33C6E638F7}" type="datetimeFigureOut">
               <a:rPr lang="en-NL" smtClean="0"/>
-              <a:t>12/18/2023</a:t>
+              <a:t>12/20/2023</a:t>
             </a:fld>
             <a:endParaRPr lang="en-NL"/>
           </a:p>
@@ -2011,7 +2011,7 @@
           <a:p>
             <a:fld id="{3E31D308-CABC-4F6E-8D26-4E33C6E638F7}" type="datetimeFigureOut">
               <a:rPr lang="en-NL" smtClean="0"/>
-              <a:t>12/18/2023</a:t>
+              <a:t>12/20/2023</a:t>
             </a:fld>
             <a:endParaRPr lang="en-NL"/>
           </a:p>
@@ -2106,7 +2106,7 @@
           <a:p>
             <a:fld id="{3E31D308-CABC-4F6E-8D26-4E33C6E638F7}" type="datetimeFigureOut">
               <a:rPr lang="en-NL" smtClean="0"/>
-              <a:t>12/18/2023</a:t>
+              <a:t>12/20/2023</a:t>
             </a:fld>
             <a:endParaRPr lang="en-NL"/>
           </a:p>
@@ -2393,7 +2393,7 @@
           <a:p>
             <a:fld id="{3E31D308-CABC-4F6E-8D26-4E33C6E638F7}" type="datetimeFigureOut">
               <a:rPr lang="en-NL" smtClean="0"/>
-              <a:t>12/18/2023</a:t>
+              <a:t>12/20/2023</a:t>
             </a:fld>
             <a:endParaRPr lang="en-NL"/>
           </a:p>
@@ -2715,7 +2715,7 @@
           <a:p>
             <a:fld id="{3E31D308-CABC-4F6E-8D26-4E33C6E638F7}" type="datetimeFigureOut">
               <a:rPr lang="en-NL" smtClean="0"/>
-              <a:t>12/18/2023</a:t>
+              <a:t>12/20/2023</a:t>
             </a:fld>
             <a:endParaRPr lang="en-NL"/>
           </a:p>
@@ -2969,7 +2969,7 @@
           <a:p>
             <a:fld id="{3E31D308-CABC-4F6E-8D26-4E33C6E638F7}" type="datetimeFigureOut">
               <a:rPr lang="en-NL" smtClean="0"/>
-              <a:t>12/18/2023</a:t>
+              <a:t>12/20/2023</a:t>
             </a:fld>
             <a:endParaRPr lang="en-NL"/>
           </a:p>
@@ -3792,7 +3792,7 @@
             <a:r>
               <a:rPr lang="en-GB" dirty="0">
                 <a:solidFill>
-                  <a:srgbClr val="FF0000"/>
+                  <a:srgbClr val="FFC000"/>
                 </a:solidFill>
               </a:rPr>
               <a:t>Implement auth in front-end</a:t>
@@ -3995,6 +3995,23 @@
               <a:rPr lang="en-GB" dirty="0"/>
               <a:t>Assess and prioritize work for succeeding this semester</a:t>
             </a:r>
+          </a:p>
+          <a:p>
+            <a:r>
+              <a:rPr lang="en-GB" dirty="0"/>
+              <a:t>Work on individual research</a:t>
+            </a:r>
+          </a:p>
+          <a:p>
+            <a:r>
+              <a:rPr lang="en-GB" dirty="0"/>
+              <a:t>Go through entire checklist for end </a:t>
+            </a:r>
+            <a:r>
+              <a:rPr lang="en-GB"/>
+              <a:t>of semester</a:t>
+            </a:r>
+            <a:endParaRPr lang="en-GB" dirty="0"/>
           </a:p>
           <a:p>
             <a:endParaRPr lang="en-GB" dirty="0"/>
@@ -4509,20 +4526,20 @@
 </file>
 
 <file path=customXml/item2.xml><?xml version="1.0" encoding="utf-8"?>
-<p:properties xmlns:p="http://schemas.microsoft.com/office/2006/metadata/properties" xmlns:xsi="http://www.w3.org/2001/XMLSchema-instance" xmlns:pc="http://schemas.microsoft.com/office/infopath/2007/PartnerControls">
-  <documentManagement>
-    <_activity xmlns="e59fc1db-72ae-4989-b675-1968d7635609" xsi:nil="true"/>
-  </documentManagement>
-</p:properties>
-</file>
-
-<file path=customXml/item3.xml><?xml version="1.0" encoding="utf-8"?>
 <?mso-contentType ?>
 <FormTemplates xmlns="http://schemas.microsoft.com/sharepoint/v3/contenttype/forms">
   <Display>DocumentLibraryForm</Display>
   <Edit>DocumentLibraryForm</Edit>
   <New>DocumentLibraryForm</New>
 </FormTemplates>
+</file>
+
+<file path=customXml/item3.xml><?xml version="1.0" encoding="utf-8"?>
+<p:properties xmlns:p="http://schemas.microsoft.com/office/2006/metadata/properties" xmlns:xsi="http://www.w3.org/2001/XMLSchema-instance" xmlns:pc="http://schemas.microsoft.com/office/infopath/2007/PartnerControls">
+  <documentManagement>
+    <_activity xmlns="e59fc1db-72ae-4989-b675-1968d7635609" xsi:nil="true"/>
+  </documentManagement>
+</p:properties>
 </file>
 
 <file path=customXml/itemProps1.xml><?xml version="1.0" encoding="utf-8"?>
@@ -4545,6 +4562,14 @@
 </file>
 
 <file path=customXml/itemProps2.xml><?xml version="1.0" encoding="utf-8"?>
+<ds:datastoreItem xmlns:ds="http://schemas.openxmlformats.org/officeDocument/2006/customXml" ds:itemID="{4217A717-2845-4AA4-B946-1AA5F21A2BAD}">
+  <ds:schemaRefs>
+    <ds:schemaRef ds:uri="http://schemas.microsoft.com/sharepoint/v3/contenttype/forms"/>
+  </ds:schemaRefs>
+</ds:datastoreItem>
+</file>
+
+<file path=customXml/itemProps3.xml><?xml version="1.0" encoding="utf-8"?>
 <ds:datastoreItem xmlns:ds="http://schemas.openxmlformats.org/officeDocument/2006/customXml" ds:itemID="{4B77B652-6F94-48FB-9625-50F8270C27BD}">
   <ds:schemaRefs>
     <ds:schemaRef ds:uri="http://www.w3.org/XML/1998/namespace"/>
@@ -4559,12 +4584,4 @@
     <ds:schemaRef ds:uri="e59fc1db-72ae-4989-b675-1968d7635609"/>
   </ds:schemaRefs>
 </ds:datastoreItem>
-</file>
-
-<file path=customXml/itemProps3.xml><?xml version="1.0" encoding="utf-8"?>
-<ds:datastoreItem xmlns:ds="http://schemas.openxmlformats.org/officeDocument/2006/customXml" ds:itemID="{4217A717-2845-4AA4-B946-1AA5F21A2BAD}">
-  <ds:schemaRefs>
-    <ds:schemaRef ds:uri="http://schemas.microsoft.com/sharepoint/v3/contenttype/forms"/>
-  </ds:schemaRefs>
-</ds:datastoreItem>
 </file>